--- a/46183965_pooja_CG _resume.pptx
+++ b/46183965_pooja_CG _resume.pptx
@@ -259,7 +259,7 @@
             <a:fld id="{86C988DC-9DE3-4390-97AB-D61B85DACE57}" type="datetimeFigureOut">
               <a:rPr lang="pt-PT" sz="900" smtClean="0"/>
               <a:pPr/>
-              <a:t>19/07/2022</a:t>
+              <a:t>27/10/2022</a:t>
             </a:fld>
             <a:endParaRPr lang="pt-PT" sz="900"/>
           </a:p>
@@ -438,7 +438,7 @@
             <a:fld id="{0835B8F7-DAC4-4931-8AED-4356A8B2FD64}" type="datetimeFigureOut">
               <a:rPr lang="pt-BR" smtClean="0"/>
               <a:pPr/>
-              <a:t>19/07/2022</a:t>
+              <a:t>27/10/2022</a:t>
             </a:fld>
             <a:endParaRPr lang="pt-BR"/>
           </a:p>
@@ -838,7 +838,7 @@
           <a:graphicData uri="http://schemas.openxmlformats.org/presentationml/2006/ole">
             <mc:AlternateContent xmlns:mc="http://schemas.openxmlformats.org/markup-compatibility/2006">
               <mc:Choice xmlns:v="urn:schemas-microsoft-com:vml" Requires="v">
-                <p:oleObj spid="_x0000_s2154" name="think-cell Slide" r:id="rId6" imgW="360" imgH="360" progId="">
+                <p:oleObj spid="_x0000_s2176" name="think-cell Slide" r:id="rId6" imgW="360" imgH="360" progId="">
                   <p:embed/>
                 </p:oleObj>
               </mc:Choice>
@@ -2273,7 +2273,7 @@
           <a:graphicData uri="http://schemas.openxmlformats.org/presentationml/2006/ole">
             <mc:AlternateContent xmlns:mc="http://schemas.openxmlformats.org/markup-compatibility/2006">
               <mc:Choice xmlns:v="urn:schemas-microsoft-com:vml" Requires="v">
-                <p:oleObj spid="_x0000_s8298" name="think-cell Slide" r:id="rId4" imgW="270" imgH="270" progId="TCLayout.ActiveDocument.1">
+                <p:oleObj spid="_x0000_s8320" name="think-cell Slide" r:id="rId4" imgW="270" imgH="270" progId="TCLayout.ActiveDocument.1">
                   <p:embed/>
                 </p:oleObj>
               </mc:Choice>
@@ -2747,7 +2747,7 @@
           <a:graphicData uri="http://schemas.openxmlformats.org/presentationml/2006/ole">
             <mc:AlternateContent xmlns:mc="http://schemas.openxmlformats.org/markup-compatibility/2006">
               <mc:Choice xmlns:v="urn:schemas-microsoft-com:vml" Requires="v">
-                <p:oleObj spid="_x0000_s9322" name="think-cell Slide" r:id="rId4" imgW="270" imgH="270" progId="TCLayout.ActiveDocument.1">
+                <p:oleObj spid="_x0000_s9344" name="think-cell Slide" r:id="rId4" imgW="270" imgH="270" progId="TCLayout.ActiveDocument.1">
                   <p:embed/>
                 </p:oleObj>
               </mc:Choice>
@@ -2874,7 +2874,7 @@
           <a:graphicData uri="http://schemas.openxmlformats.org/presentationml/2006/ole">
             <mc:AlternateContent xmlns:mc="http://schemas.openxmlformats.org/markup-compatibility/2006">
               <mc:Choice xmlns:v="urn:schemas-microsoft-com:vml" Requires="v">
-                <p:oleObj spid="_x0000_s10346" name="think-cell Slide" r:id="rId4" imgW="270" imgH="270" progId="TCLayout.ActiveDocument.1">
+                <p:oleObj spid="_x0000_s10368" name="think-cell Slide" r:id="rId4" imgW="270" imgH="270" progId="TCLayout.ActiveDocument.1">
                   <p:embed/>
                 </p:oleObj>
               </mc:Choice>
@@ -4408,7 +4408,7 @@
           <a:graphicData uri="http://schemas.openxmlformats.org/presentationml/2006/ole">
             <mc:AlternateContent xmlns:mc="http://schemas.openxmlformats.org/markup-compatibility/2006">
               <mc:Choice xmlns:v="urn:schemas-microsoft-com:vml" Requires="v">
-                <p:oleObj spid="_x0000_s3178" name="think-cell Slide" r:id="rId7" imgW="360" imgH="360" progId="">
+                <p:oleObj spid="_x0000_s3200" name="think-cell Slide" r:id="rId7" imgW="360" imgH="360" progId="">
                   <p:embed/>
                 </p:oleObj>
               </mc:Choice>
@@ -5307,7 +5307,7 @@
           <a:graphicData uri="http://schemas.openxmlformats.org/presentationml/2006/ole">
             <mc:AlternateContent xmlns:mc="http://schemas.openxmlformats.org/markup-compatibility/2006">
               <mc:Choice xmlns:v="urn:schemas-microsoft-com:vml" Requires="v">
-                <p:oleObj spid="_x0000_s12394" name="think-cell Slide" r:id="rId4" imgW="270" imgH="270" progId="TCLayout.ActiveDocument.1">
+                <p:oleObj spid="_x0000_s12416" name="think-cell Slide" r:id="rId4" imgW="270" imgH="270" progId="TCLayout.ActiveDocument.1">
                   <p:embed/>
                 </p:oleObj>
               </mc:Choice>
@@ -5781,7 +5781,7 @@
           <a:graphicData uri="http://schemas.openxmlformats.org/presentationml/2006/ole">
             <mc:AlternateContent xmlns:mc="http://schemas.openxmlformats.org/markup-compatibility/2006">
               <mc:Choice xmlns:v="urn:schemas-microsoft-com:vml" Requires="v">
-                <p:oleObj spid="_x0000_s13418" name="think-cell Slide" r:id="rId4" imgW="270" imgH="270" progId="TCLayout.ActiveDocument.1">
+                <p:oleObj spid="_x0000_s13440" name="think-cell Slide" r:id="rId4" imgW="270" imgH="270" progId="TCLayout.ActiveDocument.1">
                   <p:embed/>
                 </p:oleObj>
               </mc:Choice>
@@ -7696,7 +7696,7 @@
           <a:graphicData uri="http://schemas.openxmlformats.org/presentationml/2006/ole">
             <mc:AlternateContent xmlns:mc="http://schemas.openxmlformats.org/markup-compatibility/2006">
               <mc:Choice xmlns:v="urn:schemas-microsoft-com:vml" Requires="v">
-                <p:oleObj spid="_x0000_s14442" name="think-cell Slide" r:id="rId4" imgW="270" imgH="270" progId="TCLayout.ActiveDocument.1">
+                <p:oleObj spid="_x0000_s14464" name="think-cell Slide" r:id="rId4" imgW="270" imgH="270" progId="TCLayout.ActiveDocument.1">
                   <p:embed/>
                 </p:oleObj>
               </mc:Choice>
@@ -11247,7 +11247,7 @@
           <a:graphicData uri="http://schemas.openxmlformats.org/presentationml/2006/ole">
             <mc:AlternateContent xmlns:mc="http://schemas.openxmlformats.org/markup-compatibility/2006">
               <mc:Choice xmlns:v="urn:schemas-microsoft-com:vml" Requires="v">
-                <p:oleObj spid="_x0000_s4202" name="think-cell Slide" r:id="rId7" imgW="360" imgH="360" progId="">
+                <p:oleObj spid="_x0000_s4224" name="think-cell Slide" r:id="rId7" imgW="360" imgH="360" progId="">
                   <p:embed/>
                 </p:oleObj>
               </mc:Choice>
@@ -11493,7 +11493,7 @@
           <a:graphicData uri="http://schemas.openxmlformats.org/presentationml/2006/ole">
             <mc:AlternateContent xmlns:mc="http://schemas.openxmlformats.org/markup-compatibility/2006">
               <mc:Choice xmlns:v="urn:schemas-microsoft-com:vml" Requires="v">
-                <p:oleObj spid="_x0000_s5226" name="think-cell Slide" r:id="rId9" imgW="360" imgH="360" progId="">
+                <p:oleObj spid="_x0000_s5248" name="think-cell Slide" r:id="rId9" imgW="360" imgH="360" progId="">
                   <p:embed/>
                 </p:oleObj>
               </mc:Choice>
@@ -12684,7 +12684,7 @@
           <a:graphicData uri="http://schemas.openxmlformats.org/presentationml/2006/ole">
             <mc:AlternateContent xmlns:mc="http://schemas.openxmlformats.org/markup-compatibility/2006">
               <mc:Choice xmlns:v="urn:schemas-microsoft-com:vml" Requires="v">
-                <p:oleObj spid="_x0000_s6250" name="think-cell Slide" r:id="rId5" imgW="360" imgH="360" progId="">
+                <p:oleObj spid="_x0000_s6272" name="think-cell Slide" r:id="rId5" imgW="360" imgH="360" progId="">
                   <p:embed/>
                 </p:oleObj>
               </mc:Choice>
@@ -12818,7 +12818,7 @@
           <a:graphicData uri="http://schemas.openxmlformats.org/presentationml/2006/ole">
             <mc:AlternateContent xmlns:mc="http://schemas.openxmlformats.org/markup-compatibility/2006">
               <mc:Choice xmlns:v="urn:schemas-microsoft-com:vml" Requires="v">
-                <p:oleObj spid="_x0000_s7274" name="think-cell Slide" r:id="rId4" imgW="360" imgH="360" progId="">
+                <p:oleObj spid="_x0000_s7296" name="think-cell Slide" r:id="rId4" imgW="360" imgH="360" progId="">
                   <p:embed/>
                 </p:oleObj>
               </mc:Choice>
@@ -13012,7 +13012,7 @@
             <a:fld id="{425404F2-BE9A-4460-8815-8F645183555F}" type="datetimeFigureOut">
               <a:rPr lang="en-US" smtClean="0"/>
               <a:pPr/>
-              <a:t>7/19/2022</a:t>
+              <a:t>10/27/2022</a:t>
             </a:fld>
             <a:endParaRPr lang="en-US"/>
           </a:p>
@@ -13227,7 +13227,7 @@
           <a:graphicData uri="http://schemas.openxmlformats.org/presentationml/2006/ole">
             <mc:AlternateContent xmlns:mc="http://schemas.openxmlformats.org/markup-compatibility/2006">
               <mc:Choice xmlns:v="urn:schemas-microsoft-com:vml" Requires="v">
-                <p:oleObj spid="_x0000_s1130" name="think-cell Slide" r:id="rId25" imgW="360" imgH="360" progId="">
+                <p:oleObj spid="_x0000_s1152" name="think-cell Slide" r:id="rId25" imgW="360" imgH="360" progId="">
                   <p:embed/>
                 </p:oleObj>
               </mc:Choice>
@@ -15964,7 +15964,7 @@
           <a:graphicData uri="http://schemas.openxmlformats.org/presentationml/2006/ole">
             <mc:AlternateContent xmlns:mc="http://schemas.openxmlformats.org/markup-compatibility/2006">
               <mc:Choice xmlns:v="urn:schemas-microsoft-com:vml" Requires="v">
-                <p:oleObj spid="_x0000_s11370" name="think-cell Slide" r:id="rId14" imgW="270" imgH="270" progId="TCLayout.ActiveDocument.1">
+                <p:oleObj spid="_x0000_s11392" name="think-cell Slide" r:id="rId14" imgW="270" imgH="270" progId="TCLayout.ActiveDocument.1">
                   <p:embed/>
                 </p:oleObj>
               </mc:Choice>
@@ -17836,40 +17836,36 @@
         <p:spPr>
           <a:xfrm>
             <a:off x="4930776" y="2994512"/>
-            <a:ext cx="3899693" cy="1804987"/>
+            <a:ext cx="3988888" cy="3198325"/>
           </a:xfrm>
         </p:spPr>
         <p:txBody>
           <a:bodyPr/>
           <a:lstStyle/>
           <a:p>
-            <a:pPr>
+            <a:pPr marL="285750" indent="-285750">
               <a:lnSpc>
                 <a:spcPct val="100000"/>
               </a:lnSpc>
+              <a:buFont typeface="Wingdings" panose="05000000000000000000" pitchFamily="2" charset="2"/>
+              <a:buChar char="§"/>
             </a:pPr>
             <a:r>
               <a:rPr lang="en-IN" sz="1800" dirty="0">
                 <a:latin typeface="Calibri" panose="020F0502020204030204" pitchFamily="34" charset="0"/>
                 <a:cs typeface="Calibri" panose="020F0502020204030204" pitchFamily="34" charset="0"/>
               </a:rPr>
-              <a:t>.  Got certified in Agile Certification</a:t>
-            </a:r>
-          </a:p>
-          <a:p>
-            <a:pPr eaLnBrk="1" hangingPunct="1">
+              <a:t>Got certified in Agile Certification</a:t>
+            </a:r>
+          </a:p>
+          <a:p>
+            <a:pPr marL="285750" indent="-285750" eaLnBrk="1" hangingPunct="1">
               <a:lnSpc>
                 <a:spcPct val="114000"/>
               </a:lnSpc>
+              <a:buFont typeface="Wingdings" panose="05000000000000000000" pitchFamily="2" charset="2"/>
+              <a:buChar char="§"/>
             </a:pPr>
-            <a:r>
-              <a:rPr lang="en-US" sz="1800" dirty="0">
-                <a:latin typeface="Calibri" panose="020F0502020204030204" pitchFamily="34" charset="0"/>
-                <a:ea typeface="Times New Roman" panose="02020603050405020304" pitchFamily="18" charset="0"/>
-                <a:cs typeface="Calibri" panose="020F0502020204030204" pitchFamily="34" charset="0"/>
-              </a:rPr>
-              <a:t>.  </a:t>
-            </a:r>
             <a:r>
               <a:rPr lang="en-US" sz="1800" dirty="0">
                 <a:effectLst/>
@@ -17885,8 +17881,82 @@
                 <a:ea typeface="Times New Roman" panose="02020603050405020304" pitchFamily="18" charset="0"/>
                 <a:cs typeface="Calibri" panose="020F0502020204030204" pitchFamily="34" charset="0"/>
               </a:rPr>
-              <a:t>Tibco Certification and AWS              cloud fundamental</a:t>
-            </a:r>
+              <a:t>Tibco Certification </a:t>
+            </a:r>
+          </a:p>
+          <a:p>
+            <a:pPr marL="285750" indent="-285750" eaLnBrk="1" hangingPunct="1">
+              <a:lnSpc>
+                <a:spcPct val="114000"/>
+              </a:lnSpc>
+              <a:buFont typeface="Wingdings" panose="05000000000000000000" pitchFamily="2" charset="2"/>
+              <a:buChar char="§"/>
+            </a:pPr>
+            <a:r>
+              <a:rPr lang="en-US" sz="1800" dirty="0">
+                <a:latin typeface="Calibri" panose="020F0502020204030204" pitchFamily="34" charset="0"/>
+                <a:cs typeface="Calibri" panose="020F0502020204030204" pitchFamily="34" charset="0"/>
+              </a:rPr>
+              <a:t>Completed </a:t>
+            </a:r>
+            <a:r>
+              <a:rPr lang="en-IN" sz="1800" dirty="0">
+                <a:latin typeface="Calibri" panose="020F0502020204030204" pitchFamily="34" charset="0"/>
+                <a:cs typeface="Calibri" panose="020F0502020204030204" pitchFamily="34" charset="0"/>
+              </a:rPr>
+              <a:t>Cloud Basics &amp; AWS Basics of different services </a:t>
+            </a:r>
+          </a:p>
+          <a:p>
+            <a:pPr marL="285750" indent="-285750" eaLnBrk="1" hangingPunct="1">
+              <a:lnSpc>
+                <a:spcPct val="114000"/>
+              </a:lnSpc>
+              <a:buFont typeface="Wingdings" panose="05000000000000000000" pitchFamily="2" charset="2"/>
+              <a:buChar char="§"/>
+            </a:pPr>
+            <a:r>
+              <a:rPr lang="en-IN" sz="1800" dirty="0">
+                <a:latin typeface="Calibri" panose="020F0502020204030204" pitchFamily="34" charset="0"/>
+                <a:cs typeface="Calibri" panose="020F0502020204030204" pitchFamily="34" charset="0"/>
+              </a:rPr>
+              <a:t>Completed AWS Partner Migration-Programs and Resources(Level-0)</a:t>
+            </a:r>
+          </a:p>
+          <a:p>
+            <a:pPr marL="285750" indent="-285750" eaLnBrk="1" hangingPunct="1">
+              <a:lnSpc>
+                <a:spcPct val="114000"/>
+              </a:lnSpc>
+              <a:buFont typeface="Wingdings" panose="05000000000000000000" pitchFamily="2" charset="2"/>
+              <a:buChar char="§"/>
+            </a:pPr>
+            <a:r>
+              <a:rPr lang="en-IN" sz="1800" dirty="0">
+                <a:latin typeface="Calibri" panose="020F0502020204030204" pitchFamily="34" charset="0"/>
+                <a:cs typeface="Calibri" panose="020F0502020204030204" pitchFamily="34" charset="0"/>
+              </a:rPr>
+              <a:t>Completed MuleSoft Developer Level 1</a:t>
+            </a:r>
+            <a:endParaRPr lang="en-US" sz="1800" dirty="0">
+              <a:latin typeface="Calibri" panose="020F0502020204030204" pitchFamily="34" charset="0"/>
+              <a:ea typeface="Times New Roman" panose="02020603050405020304" pitchFamily="18" charset="0"/>
+              <a:cs typeface="Calibri" panose="020F0502020204030204" pitchFamily="34" charset="0"/>
+            </a:endParaRPr>
+          </a:p>
+          <a:p>
+            <a:pPr marL="285750" indent="-285750" eaLnBrk="1" hangingPunct="1">
+              <a:lnSpc>
+                <a:spcPct val="114000"/>
+              </a:lnSpc>
+              <a:buFont typeface="Arial" panose="020B0604020202020204" pitchFamily="34" charset="0"/>
+              <a:buChar char="•"/>
+            </a:pPr>
+            <a:endParaRPr lang="en-US" sz="1800" dirty="0">
+              <a:latin typeface="Calibri" panose="020F0502020204030204" pitchFamily="34" charset="0"/>
+              <a:ea typeface="Times New Roman" panose="02020603050405020304" pitchFamily="18" charset="0"/>
+              <a:cs typeface="Calibri" panose="020F0502020204030204" pitchFamily="34" charset="0"/>
+            </a:endParaRPr>
           </a:p>
           <a:p>
             <a:pPr eaLnBrk="1" hangingPunct="1">
@@ -19837,12 +19907,21 @@
 </file>
 
 <file path=customXml/item1.xml><?xml version="1.0" encoding="utf-8"?>
+<?mso-contentType ?>
+<FormTemplates xmlns="http://schemas.microsoft.com/sharepoint/v3/contenttype/forms">
+  <Display>DocumentLibraryForm</Display>
+  <Edit>DocumentLibraryForm</Edit>
+  <New>DocumentLibraryForm</New>
+</FormTemplates>
+</file>
+
+<file path=customXml/item2.xml><?xml version="1.0" encoding="utf-8"?>
 <p:properties xmlns:p="http://schemas.microsoft.com/office/2006/metadata/properties" xmlns:xsi="http://www.w3.org/2001/XMLSchema-instance" xmlns:pc="http://schemas.microsoft.com/office/infopath/2007/PartnerControls">
   <documentManagement/>
 </p:properties>
 </file>
 
-<file path=customXml/item2.xml><?xml version="1.0" encoding="utf-8"?>
+<file path=customXml/item3.xml><?xml version="1.0" encoding="utf-8"?>
 <ct:contentTypeSchema xmlns:ct="http://schemas.microsoft.com/office/2006/metadata/contentType" xmlns:ma="http://schemas.microsoft.com/office/2006/metadata/properties/metaAttributes" ct:_="" ma:_="" ma:contentTypeName="Document" ma:contentTypeID="0x010100C33155D503BFC942A57BA969F1C4EED5" ma:contentTypeVersion="13" ma:contentTypeDescription="Create a new document." ma:contentTypeScope="" ma:versionID="c80b1f7ea370ae896a5b6e523a0cf15c">
   <xsd:schema xmlns:xsd="http://www.w3.org/2001/XMLSchema" xmlns:xs="http://www.w3.org/2001/XMLSchema" xmlns:p="http://schemas.microsoft.com/office/2006/metadata/properties" xmlns:ns3="25289c4b-8fd1-4155-b56f-82d6fa13afd3" xmlns:ns4="c43bfbf7-b5f8-4451-8464-ef79a2e28ca1" targetNamespace="http://schemas.microsoft.com/office/2006/metadata/properties" ma:root="true" ma:fieldsID="376fee7e205f44b9967171b065daf661" ns3:_="" ns4:_="">
     <xsd:import namespace="25289c4b-8fd1-4155-b56f-82d6fa13afd3"/>
@@ -20065,16 +20144,15 @@
 </ct:contentTypeSchema>
 </file>
 
-<file path=customXml/item3.xml><?xml version="1.0" encoding="utf-8"?>
-<?mso-contentType ?>
-<FormTemplates xmlns="http://schemas.microsoft.com/sharepoint/v3/contenttype/forms">
-  <Display>DocumentLibraryForm</Display>
-  <Edit>DocumentLibraryForm</Edit>
-  <New>DocumentLibraryForm</New>
-</FormTemplates>
+<file path=customXml/itemProps1.xml><?xml version="1.0" encoding="utf-8"?>
+<ds:datastoreItem xmlns:ds="http://schemas.openxmlformats.org/officeDocument/2006/customXml" ds:itemID="{C79773B3-BEED-4422-883D-E6632C7C7120}">
+  <ds:schemaRefs>
+    <ds:schemaRef ds:uri="http://schemas.microsoft.com/sharepoint/v3/contenttype/forms"/>
+  </ds:schemaRefs>
+</ds:datastoreItem>
 </file>
 
-<file path=customXml/itemProps1.xml><?xml version="1.0" encoding="utf-8"?>
+<file path=customXml/itemProps2.xml><?xml version="1.0" encoding="utf-8"?>
 <ds:datastoreItem xmlns:ds="http://schemas.openxmlformats.org/officeDocument/2006/customXml" ds:itemID="{5430857F-5B57-4BA6-87F2-356B3F6438EF}">
   <ds:schemaRefs>
     <ds:schemaRef ds:uri="http://purl.org/dc/elements/1.1/"/>
@@ -20091,7 +20169,7 @@
 </ds:datastoreItem>
 </file>
 
-<file path=customXml/itemProps2.xml><?xml version="1.0" encoding="utf-8"?>
+<file path=customXml/itemProps3.xml><?xml version="1.0" encoding="utf-8"?>
 <ds:datastoreItem xmlns:ds="http://schemas.openxmlformats.org/officeDocument/2006/customXml" ds:itemID="{E53A1F87-ED7F-4CA8-8D06-B3888A424EC9}">
   <ds:schemaRefs>
     <ds:schemaRef ds:uri="http://schemas.microsoft.com/office/2006/metadata/contentType"/>
@@ -20108,12 +20186,4 @@
     <ds:schemaRef ds:uri="http://schemas.microsoft.com/internal/obd"/>
   </ds:schemaRefs>
 </ds:datastoreItem>
-</file>
-
-<file path=customXml/itemProps3.xml><?xml version="1.0" encoding="utf-8"?>
-<ds:datastoreItem xmlns:ds="http://schemas.openxmlformats.org/officeDocument/2006/customXml" ds:itemID="{C79773B3-BEED-4422-883D-E6632C7C7120}">
-  <ds:schemaRefs>
-    <ds:schemaRef ds:uri="http://schemas.microsoft.com/sharepoint/v3/contenttype/forms"/>
-  </ds:schemaRefs>
-</ds:datastoreItem>
 </file>